--- a/docs/diagrams/ModelComponentClassBetterOopDiagram.pptx
+++ b/docs/diagrams/ModelComponentClassBetterOopDiagram.pptx
@@ -208,7 +208,7 @@
           <a:p>
             <a:fld id="{F5CC4B3F-88C1-4FFA-B1B6-F41C21DC6924}" type="datetimeFigureOut">
               <a:rPr lang="en-US" smtClean="0"/>
-              <a:t>12/5/2018</a:t>
+              <a:t>3/17/2019</a:t>
             </a:fld>
             <a:endParaRPr lang="en-US"/>
           </a:p>
@@ -654,7 +654,7 @@
           <a:p>
             <a:fld id="{78C97017-6FC3-485B-9764-EAC9E56C1D49}" type="datetimeFigureOut">
               <a:rPr lang="en-US" smtClean="0"/>
-              <a:t>12/5/2018</a:t>
+              <a:t>3/17/2019</a:t>
             </a:fld>
             <a:endParaRPr lang="en-US"/>
           </a:p>
@@ -822,7 +822,7 @@
           <a:p>
             <a:fld id="{78C97017-6FC3-485B-9764-EAC9E56C1D49}" type="datetimeFigureOut">
               <a:rPr lang="en-US" smtClean="0"/>
-              <a:t>12/5/2018</a:t>
+              <a:t>3/17/2019</a:t>
             </a:fld>
             <a:endParaRPr lang="en-US"/>
           </a:p>
@@ -1000,7 +1000,7 @@
           <a:p>
             <a:fld id="{78C97017-6FC3-485B-9764-EAC9E56C1D49}" type="datetimeFigureOut">
               <a:rPr lang="en-US" smtClean="0"/>
-              <a:t>12/5/2018</a:t>
+              <a:t>3/17/2019</a:t>
             </a:fld>
             <a:endParaRPr lang="en-US"/>
           </a:p>
@@ -1168,7 +1168,7 @@
           <a:p>
             <a:fld id="{78C97017-6FC3-485B-9764-EAC9E56C1D49}" type="datetimeFigureOut">
               <a:rPr lang="en-US" smtClean="0"/>
-              <a:t>12/5/2018</a:t>
+              <a:t>3/17/2019</a:t>
             </a:fld>
             <a:endParaRPr lang="en-US"/>
           </a:p>
@@ -1413,7 +1413,7 @@
           <a:p>
             <a:fld id="{78C97017-6FC3-485B-9764-EAC9E56C1D49}" type="datetimeFigureOut">
               <a:rPr lang="en-US" smtClean="0"/>
-              <a:t>12/5/2018</a:t>
+              <a:t>3/17/2019</a:t>
             </a:fld>
             <a:endParaRPr lang="en-US"/>
           </a:p>
@@ -1698,7 +1698,7 @@
           <a:p>
             <a:fld id="{78C97017-6FC3-485B-9764-EAC9E56C1D49}" type="datetimeFigureOut">
               <a:rPr lang="en-US" smtClean="0"/>
-              <a:t>12/5/2018</a:t>
+              <a:t>3/17/2019</a:t>
             </a:fld>
             <a:endParaRPr lang="en-US"/>
           </a:p>
@@ -2117,7 +2117,7 @@
           <a:p>
             <a:fld id="{78C97017-6FC3-485B-9764-EAC9E56C1D49}" type="datetimeFigureOut">
               <a:rPr lang="en-US" smtClean="0"/>
-              <a:t>12/5/2018</a:t>
+              <a:t>3/17/2019</a:t>
             </a:fld>
             <a:endParaRPr lang="en-US"/>
           </a:p>
@@ -2234,7 +2234,7 @@
           <a:p>
             <a:fld id="{78C97017-6FC3-485B-9764-EAC9E56C1D49}" type="datetimeFigureOut">
               <a:rPr lang="en-US" smtClean="0"/>
-              <a:t>12/5/2018</a:t>
+              <a:t>3/17/2019</a:t>
             </a:fld>
             <a:endParaRPr lang="en-US"/>
           </a:p>
@@ -2329,7 +2329,7 @@
           <a:p>
             <a:fld id="{78C97017-6FC3-485B-9764-EAC9E56C1D49}" type="datetimeFigureOut">
               <a:rPr lang="en-US" smtClean="0"/>
-              <a:t>12/5/2018</a:t>
+              <a:t>3/17/2019</a:t>
             </a:fld>
             <a:endParaRPr lang="en-US"/>
           </a:p>
@@ -2604,7 +2604,7 @@
           <a:p>
             <a:fld id="{78C97017-6FC3-485B-9764-EAC9E56C1D49}" type="datetimeFigureOut">
               <a:rPr lang="en-US" smtClean="0"/>
-              <a:t>12/5/2018</a:t>
+              <a:t>3/17/2019</a:t>
             </a:fld>
             <a:endParaRPr lang="en-US"/>
           </a:p>
@@ -2856,7 +2856,7 @@
           <a:p>
             <a:fld id="{78C97017-6FC3-485B-9764-EAC9E56C1D49}" type="datetimeFigureOut">
               <a:rPr lang="en-US" smtClean="0"/>
-              <a:t>12/5/2018</a:t>
+              <a:t>3/17/2019</a:t>
             </a:fld>
             <a:endParaRPr lang="en-US"/>
           </a:p>
@@ -3067,7 +3067,7 @@
           <a:p>
             <a:fld id="{78C97017-6FC3-485B-9764-EAC9E56C1D49}" type="datetimeFigureOut">
               <a:rPr lang="en-US" smtClean="0"/>
-              <a:t>12/5/2018</a:t>
+              <a:t>3/17/2019</a:t>
             </a:fld>
             <a:endParaRPr lang="en-US"/>
           </a:p>
@@ -3450,8 +3450,8 @@
         </p:nvSpPr>
         <p:spPr>
           <a:xfrm>
-            <a:off x="1754912" y="3324621"/>
-            <a:ext cx="1447688" cy="346760"/>
+            <a:off x="1521685" y="3335284"/>
+            <a:ext cx="1530149" cy="346760"/>
           </a:xfrm>
           <a:prstGeom prst="rect">
             <a:avLst/>
@@ -3488,7 +3488,7 @@
                   <a:srgbClr val="7030A0"/>
                 </a:solidFill>
               </a:rPr>
-              <a:t>VersionedAddressBook</a:t>
+              <a:t>VersionedPocketProject</a:t>
             </a:r>
             <a:endParaRPr lang="en-SG" sz="1050" dirty="0">
               <a:solidFill>
@@ -3506,8 +3506,8 @@
         </p:nvSpPr>
         <p:spPr>
           <a:xfrm>
-            <a:off x="3730715" y="3353144"/>
-            <a:ext cx="1156969" cy="346760"/>
+            <a:off x="3595111" y="3353144"/>
+            <a:ext cx="1292574" cy="346760"/>
           </a:xfrm>
           <a:prstGeom prst="rect">
             <a:avLst/>
@@ -3544,7 +3544,7 @@
                   <a:srgbClr val="7030A0"/>
                 </a:solidFill>
               </a:rPr>
-              <a:t>UniquePersonList</a:t>
+              <a:t>UniqueEmployeeList</a:t>
             </a:r>
             <a:endParaRPr lang="en-SG" sz="1050" dirty="0">
               <a:solidFill>
@@ -3562,7 +3562,7 @@
         </p:nvSpPr>
         <p:spPr>
           <a:xfrm>
-            <a:off x="3201752" y="3437911"/>
+            <a:off x="3039684" y="3437911"/>
             <a:ext cx="236048" cy="173380"/>
           </a:xfrm>
           <a:prstGeom prst="flowChartDecision">
@@ -3605,6 +3605,7 @@
         <p:nvCxnSpPr>
           <p:cNvPr id="30" name="Elbow Connector 29"/>
           <p:cNvCxnSpPr>
+            <a:cxnSpLocks/>
             <a:stCxn id="51" idx="3"/>
             <a:endCxn id="49" idx="1"/>
           </p:cNvCxnSpPr>
@@ -3612,8 +3613,8 @@
         </p:nvCxnSpPr>
         <p:spPr>
           <a:xfrm>
-            <a:off x="3437800" y="3524601"/>
-            <a:ext cx="292915" cy="1923"/>
+            <a:off x="3275732" y="3524601"/>
+            <a:ext cx="319379" cy="1923"/>
           </a:xfrm>
           <a:prstGeom prst="bentConnector3">
             <a:avLst/>
@@ -3650,8 +3651,8 @@
         </p:nvSpPr>
         <p:spPr>
           <a:xfrm>
-            <a:off x="5282183" y="3347776"/>
-            <a:ext cx="708186" cy="346760"/>
+            <a:off x="5282182" y="3347776"/>
+            <a:ext cx="768089" cy="346760"/>
           </a:xfrm>
           <a:prstGeom prst="rect">
             <a:avLst/>
@@ -3688,7 +3689,7 @@
                   <a:srgbClr val="7030A0"/>
                 </a:solidFill>
               </a:rPr>
-              <a:t>Person</a:t>
+              <a:t>Employee</a:t>
             </a:r>
             <a:endParaRPr lang="en-SG" sz="1050" dirty="0">
               <a:solidFill>
@@ -3756,7 +3757,7 @@
         <p:spPr>
           <a:xfrm>
             <a:off x="5123014" y="3517465"/>
-            <a:ext cx="159169" cy="3691"/>
+            <a:ext cx="159168" cy="3691"/>
           </a:xfrm>
           <a:prstGeom prst="bentConnector3">
             <a:avLst/>
@@ -3849,7 +3850,7 @@
         </p:nvSpPr>
         <p:spPr>
           <a:xfrm>
-            <a:off x="6010453" y="3437911"/>
+            <a:off x="6058937" y="3437911"/>
             <a:ext cx="236048" cy="173380"/>
           </a:xfrm>
           <a:prstGeom prst="flowChartDecision">
@@ -3995,8 +3996,8 @@
         </p:nvCxnSpPr>
         <p:spPr>
           <a:xfrm flipV="1">
-            <a:off x="6246501" y="3519818"/>
-            <a:ext cx="434402" cy="4783"/>
+            <a:off x="6294985" y="3519818"/>
+            <a:ext cx="385918" cy="4783"/>
           </a:xfrm>
           <a:prstGeom prst="bentConnector3">
             <a:avLst/>
@@ -4092,8 +4093,8 @@
         </p:nvCxnSpPr>
         <p:spPr>
           <a:xfrm>
-            <a:off x="6246501" y="3524601"/>
-            <a:ext cx="434402" cy="318195"/>
+            <a:off x="6294985" y="3524601"/>
+            <a:ext cx="385918" cy="318195"/>
           </a:xfrm>
           <a:prstGeom prst="bentConnector3">
             <a:avLst/>
@@ -4190,8 +4191,8 @@
         </p:nvCxnSpPr>
         <p:spPr>
           <a:xfrm>
-            <a:off x="6246501" y="3524601"/>
-            <a:ext cx="434402" cy="641172"/>
+            <a:off x="6294985" y="3524601"/>
+            <a:ext cx="385918" cy="641172"/>
           </a:xfrm>
           <a:prstGeom prst="bentConnector3">
             <a:avLst/>
@@ -4312,7 +4313,7 @@
         </p:nvSpPr>
         <p:spPr>
           <a:xfrm>
-            <a:off x="3724378" y="2696571"/>
+            <a:off x="3649348" y="2685090"/>
             <a:ext cx="1156969" cy="285783"/>
           </a:xfrm>
           <a:prstGeom prst="rect">
@@ -4350,7 +4351,7 @@
                   <a:srgbClr val="7030A0"/>
                 </a:solidFill>
               </a:rPr>
-              <a:t>UniqueTagList</a:t>
+              <a:t>UniqueSkillList</a:t>
             </a:r>
             <a:endParaRPr lang="en-SG" sz="1050" dirty="0">
               <a:solidFill>
@@ -4378,8 +4379,8 @@
         </p:nvCxnSpPr>
         <p:spPr>
           <a:xfrm rot="5400000" flipH="1" flipV="1">
-            <a:off x="3201687" y="3025884"/>
-            <a:ext cx="709111" cy="336271"/>
+            <a:off x="3158431" y="3057658"/>
+            <a:ext cx="720592" cy="261241"/>
           </a:xfrm>
           <a:prstGeom prst="bentConnector2">
             <a:avLst/>
@@ -4603,7 +4604,7 @@
                   <a:srgbClr val="7030A0"/>
                 </a:solidFill>
               </a:rPr>
-              <a:t>Tag</a:t>
+              <a:t>Skill</a:t>
             </a:r>
             <a:endParaRPr lang="en-SG" sz="1050" dirty="0">
               <a:solidFill>
@@ -4717,7 +4718,7 @@
         </p:nvSpPr>
         <p:spPr>
           <a:xfrm>
-            <a:off x="4879835" y="2751791"/>
+            <a:off x="4831511" y="2752023"/>
             <a:ext cx="236048" cy="173380"/>
           </a:xfrm>
           <a:prstGeom prst="flowChartDecision">

--- a/docs/diagrams/ModelComponentClassBetterOopDiagram.pptx
+++ b/docs/diagrams/ModelComponentClassBetterOopDiagram.pptx
@@ -208,7 +208,7 @@
           <a:p>
             <a:fld id="{F5CC4B3F-88C1-4FFA-B1B6-F41C21DC6924}" type="datetimeFigureOut">
               <a:rPr lang="en-US" smtClean="0"/>
-              <a:t>3/17/2019</a:t>
+              <a:t>3/31/2019</a:t>
             </a:fld>
             <a:endParaRPr lang="en-US"/>
           </a:p>
@@ -654,7 +654,7 @@
           <a:p>
             <a:fld id="{78C97017-6FC3-485B-9764-EAC9E56C1D49}" type="datetimeFigureOut">
               <a:rPr lang="en-US" smtClean="0"/>
-              <a:t>3/17/2019</a:t>
+              <a:t>3/31/2019</a:t>
             </a:fld>
             <a:endParaRPr lang="en-US"/>
           </a:p>
@@ -822,7 +822,7 @@
           <a:p>
             <a:fld id="{78C97017-6FC3-485B-9764-EAC9E56C1D49}" type="datetimeFigureOut">
               <a:rPr lang="en-US" smtClean="0"/>
-              <a:t>3/17/2019</a:t>
+              <a:t>3/31/2019</a:t>
             </a:fld>
             <a:endParaRPr lang="en-US"/>
           </a:p>
@@ -1000,7 +1000,7 @@
           <a:p>
             <a:fld id="{78C97017-6FC3-485B-9764-EAC9E56C1D49}" type="datetimeFigureOut">
               <a:rPr lang="en-US" smtClean="0"/>
-              <a:t>3/17/2019</a:t>
+              <a:t>3/31/2019</a:t>
             </a:fld>
             <a:endParaRPr lang="en-US"/>
           </a:p>
@@ -1168,7 +1168,7 @@
           <a:p>
             <a:fld id="{78C97017-6FC3-485B-9764-EAC9E56C1D49}" type="datetimeFigureOut">
               <a:rPr lang="en-US" smtClean="0"/>
-              <a:t>3/17/2019</a:t>
+              <a:t>3/31/2019</a:t>
             </a:fld>
             <a:endParaRPr lang="en-US"/>
           </a:p>
@@ -1413,7 +1413,7 @@
           <a:p>
             <a:fld id="{78C97017-6FC3-485B-9764-EAC9E56C1D49}" type="datetimeFigureOut">
               <a:rPr lang="en-US" smtClean="0"/>
-              <a:t>3/17/2019</a:t>
+              <a:t>3/31/2019</a:t>
             </a:fld>
             <a:endParaRPr lang="en-US"/>
           </a:p>
@@ -1698,7 +1698,7 @@
           <a:p>
             <a:fld id="{78C97017-6FC3-485B-9764-EAC9E56C1D49}" type="datetimeFigureOut">
               <a:rPr lang="en-US" smtClean="0"/>
-              <a:t>3/17/2019</a:t>
+              <a:t>3/31/2019</a:t>
             </a:fld>
             <a:endParaRPr lang="en-US"/>
           </a:p>
@@ -2117,7 +2117,7 @@
           <a:p>
             <a:fld id="{78C97017-6FC3-485B-9764-EAC9E56C1D49}" type="datetimeFigureOut">
               <a:rPr lang="en-US" smtClean="0"/>
-              <a:t>3/17/2019</a:t>
+              <a:t>3/31/2019</a:t>
             </a:fld>
             <a:endParaRPr lang="en-US"/>
           </a:p>
@@ -2234,7 +2234,7 @@
           <a:p>
             <a:fld id="{78C97017-6FC3-485B-9764-EAC9E56C1D49}" type="datetimeFigureOut">
               <a:rPr lang="en-US" smtClean="0"/>
-              <a:t>3/17/2019</a:t>
+              <a:t>3/31/2019</a:t>
             </a:fld>
             <a:endParaRPr lang="en-US"/>
           </a:p>
@@ -2329,7 +2329,7 @@
           <a:p>
             <a:fld id="{78C97017-6FC3-485B-9764-EAC9E56C1D49}" type="datetimeFigureOut">
               <a:rPr lang="en-US" smtClean="0"/>
-              <a:t>3/17/2019</a:t>
+              <a:t>3/31/2019</a:t>
             </a:fld>
             <a:endParaRPr lang="en-US"/>
           </a:p>
@@ -2604,7 +2604,7 @@
           <a:p>
             <a:fld id="{78C97017-6FC3-485B-9764-EAC9E56C1D49}" type="datetimeFigureOut">
               <a:rPr lang="en-US" smtClean="0"/>
-              <a:t>3/17/2019</a:t>
+              <a:t>3/31/2019</a:t>
             </a:fld>
             <a:endParaRPr lang="en-US"/>
           </a:p>
@@ -2856,7 +2856,7 @@
           <a:p>
             <a:fld id="{78C97017-6FC3-485B-9764-EAC9E56C1D49}" type="datetimeFigureOut">
               <a:rPr lang="en-US" smtClean="0"/>
-              <a:t>3/17/2019</a:t>
+              <a:t>3/31/2019</a:t>
             </a:fld>
             <a:endParaRPr lang="en-US"/>
           </a:p>
@@ -3067,7 +3067,7 @@
           <a:p>
             <a:fld id="{78C97017-6FC3-485B-9764-EAC9E56C1D49}" type="datetimeFigureOut">
               <a:rPr lang="en-US" smtClean="0"/>
-              <a:t>3/17/2019</a:t>
+              <a:t>3/31/2019</a:t>
             </a:fld>
             <a:endParaRPr lang="en-US"/>
           </a:p>
@@ -4164,12 +4164,12 @@
           <a:p>
             <a:pPr algn="ctr"/>
             <a:r>
-              <a:rPr lang="en-US" sz="1050" dirty="0">
+              <a:rPr lang="en-US" sz="1050" dirty="0" err="1">
                 <a:solidFill>
                   <a:srgbClr val="7030A0"/>
                 </a:solidFill>
               </a:rPr>
-              <a:t>Address</a:t>
+              <a:t>Github</a:t>
             </a:r>
             <a:endParaRPr lang="en-SG" sz="1050" dirty="0">
               <a:solidFill>

--- a/docs/diagrams/ModelComponentClassBetterOopDiagram.pptx
+++ b/docs/diagrams/ModelComponentClassBetterOopDiagram.pptx
@@ -208,7 +208,7 @@
           <a:p>
             <a:fld id="{F5CC4B3F-88C1-4FFA-B1B6-F41C21DC6924}" type="datetimeFigureOut">
               <a:rPr lang="en-US" smtClean="0"/>
-              <a:t>3/31/2019</a:t>
+              <a:t>4/1/2019</a:t>
             </a:fld>
             <a:endParaRPr lang="en-US"/>
           </a:p>
@@ -654,7 +654,7 @@
           <a:p>
             <a:fld id="{78C97017-6FC3-485B-9764-EAC9E56C1D49}" type="datetimeFigureOut">
               <a:rPr lang="en-US" smtClean="0"/>
-              <a:t>3/31/2019</a:t>
+              <a:t>4/1/2019</a:t>
             </a:fld>
             <a:endParaRPr lang="en-US"/>
           </a:p>
@@ -822,7 +822,7 @@
           <a:p>
             <a:fld id="{78C97017-6FC3-485B-9764-EAC9E56C1D49}" type="datetimeFigureOut">
               <a:rPr lang="en-US" smtClean="0"/>
-              <a:t>3/31/2019</a:t>
+              <a:t>4/1/2019</a:t>
             </a:fld>
             <a:endParaRPr lang="en-US"/>
           </a:p>
@@ -1000,7 +1000,7 @@
           <a:p>
             <a:fld id="{78C97017-6FC3-485B-9764-EAC9E56C1D49}" type="datetimeFigureOut">
               <a:rPr lang="en-US" smtClean="0"/>
-              <a:t>3/31/2019</a:t>
+              <a:t>4/1/2019</a:t>
             </a:fld>
             <a:endParaRPr lang="en-US"/>
           </a:p>
@@ -1168,7 +1168,7 @@
           <a:p>
             <a:fld id="{78C97017-6FC3-485B-9764-EAC9E56C1D49}" type="datetimeFigureOut">
               <a:rPr lang="en-US" smtClean="0"/>
-              <a:t>3/31/2019</a:t>
+              <a:t>4/1/2019</a:t>
             </a:fld>
             <a:endParaRPr lang="en-US"/>
           </a:p>
@@ -1413,7 +1413,7 @@
           <a:p>
             <a:fld id="{78C97017-6FC3-485B-9764-EAC9E56C1D49}" type="datetimeFigureOut">
               <a:rPr lang="en-US" smtClean="0"/>
-              <a:t>3/31/2019</a:t>
+              <a:t>4/1/2019</a:t>
             </a:fld>
             <a:endParaRPr lang="en-US"/>
           </a:p>
@@ -1698,7 +1698,7 @@
           <a:p>
             <a:fld id="{78C97017-6FC3-485B-9764-EAC9E56C1D49}" type="datetimeFigureOut">
               <a:rPr lang="en-US" smtClean="0"/>
-              <a:t>3/31/2019</a:t>
+              <a:t>4/1/2019</a:t>
             </a:fld>
             <a:endParaRPr lang="en-US"/>
           </a:p>
@@ -2117,7 +2117,7 @@
           <a:p>
             <a:fld id="{78C97017-6FC3-485B-9764-EAC9E56C1D49}" type="datetimeFigureOut">
               <a:rPr lang="en-US" smtClean="0"/>
-              <a:t>3/31/2019</a:t>
+              <a:t>4/1/2019</a:t>
             </a:fld>
             <a:endParaRPr lang="en-US"/>
           </a:p>
@@ -2234,7 +2234,7 @@
           <a:p>
             <a:fld id="{78C97017-6FC3-485B-9764-EAC9E56C1D49}" type="datetimeFigureOut">
               <a:rPr lang="en-US" smtClean="0"/>
-              <a:t>3/31/2019</a:t>
+              <a:t>4/1/2019</a:t>
             </a:fld>
             <a:endParaRPr lang="en-US"/>
           </a:p>
@@ -2329,7 +2329,7 @@
           <a:p>
             <a:fld id="{78C97017-6FC3-485B-9764-EAC9E56C1D49}" type="datetimeFigureOut">
               <a:rPr lang="en-US" smtClean="0"/>
-              <a:t>3/31/2019</a:t>
+              <a:t>4/1/2019</a:t>
             </a:fld>
             <a:endParaRPr lang="en-US"/>
           </a:p>
@@ -2604,7 +2604,7 @@
           <a:p>
             <a:fld id="{78C97017-6FC3-485B-9764-EAC9E56C1D49}" type="datetimeFigureOut">
               <a:rPr lang="en-US" smtClean="0"/>
-              <a:t>3/31/2019</a:t>
+              <a:t>4/1/2019</a:t>
             </a:fld>
             <a:endParaRPr lang="en-US"/>
           </a:p>
@@ -2856,7 +2856,7 @@
           <a:p>
             <a:fld id="{78C97017-6FC3-485B-9764-EAC9E56C1D49}" type="datetimeFigureOut">
               <a:rPr lang="en-US" smtClean="0"/>
-              <a:t>3/31/2019</a:t>
+              <a:t>4/1/2019</a:t>
             </a:fld>
             <a:endParaRPr lang="en-US"/>
           </a:p>
@@ -3067,7 +3067,7 @@
           <a:p>
             <a:fld id="{78C97017-6FC3-485B-9764-EAC9E56C1D49}" type="datetimeFigureOut">
               <a:rPr lang="en-US" smtClean="0"/>
-              <a:t>3/31/2019</a:t>
+              <a:t>4/1/2019</a:t>
             </a:fld>
             <a:endParaRPr lang="en-US"/>
           </a:p>
@@ -3794,8 +3794,8 @@
         </p:nvSpPr>
         <p:spPr>
           <a:xfrm>
-            <a:off x="6680903" y="3053948"/>
-            <a:ext cx="708186" cy="285783"/>
+            <a:off x="6680902" y="3053948"/>
+            <a:ext cx="937785" cy="285783"/>
           </a:xfrm>
           <a:prstGeom prst="rect">
             <a:avLst/>
@@ -3938,7 +3938,7 @@
         <p:spPr>
           <a:xfrm>
             <a:off x="6680903" y="3376926"/>
-            <a:ext cx="708186" cy="285783"/>
+            <a:ext cx="939094" cy="285783"/>
           </a:xfrm>
           <a:prstGeom prst="rect">
             <a:avLst/>
@@ -3989,6 +3989,7 @@
         <p:nvCxnSpPr>
           <p:cNvPr id="81" name="Elbow Connector 80"/>
           <p:cNvCxnSpPr>
+            <a:cxnSpLocks/>
             <a:stCxn id="78" idx="3"/>
             <a:endCxn id="80" idx="1"/>
           </p:cNvCxnSpPr>
@@ -4034,8 +4035,8 @@
         </p:nvSpPr>
         <p:spPr>
           <a:xfrm>
-            <a:off x="6680903" y="3699904"/>
-            <a:ext cx="708186" cy="285783"/>
+            <a:off x="6680902" y="3699904"/>
+            <a:ext cx="939095" cy="285783"/>
           </a:xfrm>
           <a:prstGeom prst="rect">
             <a:avLst/>
@@ -4086,6 +4087,7 @@
         <p:nvCxnSpPr>
           <p:cNvPr id="84" name="Elbow Connector 83"/>
           <p:cNvCxnSpPr>
+            <a:cxnSpLocks/>
             <a:stCxn id="78" idx="3"/>
             <a:endCxn id="83" idx="1"/>
           </p:cNvCxnSpPr>
@@ -4094,7 +4096,7 @@
         <p:spPr>
           <a:xfrm>
             <a:off x="6294985" y="3524601"/>
-            <a:ext cx="385918" cy="318195"/>
+            <a:ext cx="385917" cy="318195"/>
           </a:xfrm>
           <a:prstGeom prst="bentConnector3">
             <a:avLst/>
@@ -4132,7 +4134,7 @@
         <p:spPr>
           <a:xfrm>
             <a:off x="6680903" y="4022881"/>
-            <a:ext cx="708186" cy="285783"/>
+            <a:ext cx="939096" cy="285783"/>
           </a:xfrm>
           <a:prstGeom prst="rect">
             <a:avLst/>
@@ -4807,6 +4809,163 @@
           </a:fontRef>
         </p:style>
       </p:cxnSp>
+      <p:sp>
+        <p:nvSpPr>
+          <p:cNvPr id="31" name="Rectangle 8">
+            <a:extLst>
+              <a:ext uri="{FF2B5EF4-FFF2-40B4-BE49-F238E27FC236}">
+                <a16:creationId xmlns:a16="http://schemas.microsoft.com/office/drawing/2014/main" id="{B0D89A24-0DEE-4C02-993E-4B0D308BE1AB}"/>
+              </a:ext>
+            </a:extLst>
+          </p:cNvPr>
+          <p:cNvSpPr/>
+          <p:nvPr/>
+        </p:nvSpPr>
+        <p:spPr>
+          <a:xfrm>
+            <a:off x="6680902" y="4345858"/>
+            <a:ext cx="939097" cy="285783"/>
+          </a:xfrm>
+          <a:prstGeom prst="rect">
+            <a:avLst/>
+          </a:prstGeom>
+          <a:ln w="19050">
+            <a:solidFill>
+              <a:srgbClr val="7030A0"/>
+            </a:solidFill>
+          </a:ln>
+          <a:effectLst/>
+        </p:spPr>
+        <p:style>
+          <a:lnRef idx="1">
+            <a:schemeClr val="accent4"/>
+          </a:lnRef>
+          <a:fillRef idx="2">
+            <a:schemeClr val="accent4"/>
+          </a:fillRef>
+          <a:effectRef idx="1">
+            <a:schemeClr val="accent4"/>
+          </a:effectRef>
+          <a:fontRef idx="minor">
+            <a:schemeClr val="dk1"/>
+          </a:fontRef>
+        </p:style>
+        <p:txBody>
+          <a:bodyPr rtlCol="0" anchor="ctr"/>
+          <a:lstStyle/>
+          <a:p>
+            <a:pPr algn="ctr"/>
+            <a:r>
+              <a:rPr lang="en-US" sz="1050" dirty="0" err="1">
+                <a:solidFill>
+                  <a:srgbClr val="7030A0"/>
+                </a:solidFill>
+              </a:rPr>
+              <a:t>ProjectName</a:t>
+            </a:r>
+            <a:endParaRPr lang="en-SG" sz="1050" dirty="0">
+              <a:solidFill>
+                <a:srgbClr val="7030A0"/>
+              </a:solidFill>
+            </a:endParaRPr>
+          </a:p>
+        </p:txBody>
+      </p:sp>
+      <p:cxnSp>
+        <p:nvCxnSpPr>
+          <p:cNvPr id="32" name="Elbow Connector 85">
+            <a:extLst>
+              <a:ext uri="{FF2B5EF4-FFF2-40B4-BE49-F238E27FC236}">
+                <a16:creationId xmlns:a16="http://schemas.microsoft.com/office/drawing/2014/main" id="{96C0D780-7248-4981-A6A8-C9184AB3BA70}"/>
+              </a:ext>
+            </a:extLst>
+          </p:cNvPr>
+          <p:cNvCxnSpPr>
+            <a:cxnSpLocks/>
+            <a:stCxn id="78" idx="3"/>
+            <a:endCxn id="31" idx="1"/>
+          </p:cNvCxnSpPr>
+          <p:nvPr/>
+        </p:nvCxnSpPr>
+        <p:spPr>
+          <a:xfrm>
+            <a:off x="6294985" y="3524601"/>
+            <a:ext cx="385917" cy="964149"/>
+          </a:xfrm>
+          <a:prstGeom prst="bentConnector3">
+            <a:avLst>
+              <a:gd name="adj1" fmla="val 50000"/>
+            </a:avLst>
+          </a:prstGeom>
+          <a:ln w="19050">
+            <a:solidFill>
+              <a:srgbClr val="7030A0"/>
+            </a:solidFill>
+            <a:headEnd type="none" w="med" len="med"/>
+            <a:tailEnd type="arrow" w="med" len="med"/>
+          </a:ln>
+          <a:effectLst/>
+        </p:spPr>
+        <p:style>
+          <a:lnRef idx="1">
+            <a:schemeClr val="accent2"/>
+          </a:lnRef>
+          <a:fillRef idx="2">
+            <a:schemeClr val="accent2"/>
+          </a:fillRef>
+          <a:effectRef idx="1">
+            <a:schemeClr val="accent2"/>
+          </a:effectRef>
+          <a:fontRef idx="minor">
+            <a:schemeClr val="dk1"/>
+          </a:fontRef>
+        </p:style>
+      </p:cxnSp>
+      <p:sp>
+        <p:nvSpPr>
+          <p:cNvPr id="38" name="TextBox 37">
+            <a:extLst>
+              <a:ext uri="{FF2B5EF4-FFF2-40B4-BE49-F238E27FC236}">
+                <a16:creationId xmlns:a16="http://schemas.microsoft.com/office/drawing/2014/main" id="{F82EAAAA-4DF2-4BDA-820F-E804C9648DB6}"/>
+              </a:ext>
+            </a:extLst>
+          </p:cNvPr>
+          <p:cNvSpPr txBox="1"/>
+          <p:nvPr/>
+        </p:nvSpPr>
+        <p:spPr>
+          <a:xfrm>
+            <a:off x="6457750" y="4341898"/>
+            <a:ext cx="189257" cy="178683"/>
+          </a:xfrm>
+          <a:prstGeom prst="rect">
+            <a:avLst/>
+          </a:prstGeom>
+          <a:noFill/>
+        </p:spPr>
+        <p:txBody>
+          <a:bodyPr wrap="square" lIns="0" tIns="0" rIns="0" bIns="0" rtlCol="0">
+            <a:noAutofit/>
+          </a:bodyPr>
+          <a:lstStyle/>
+          <a:p>
+            <a:pPr algn="ctr"/>
+            <a:r>
+              <a:rPr lang="en-US" sz="1100" dirty="0">
+                <a:solidFill>
+                  <a:srgbClr val="7030A0"/>
+                </a:solidFill>
+              </a:rPr>
+              <a:t>*</a:t>
+            </a:r>
+            <a:endParaRPr lang="en-SG" sz="1100" dirty="0">
+              <a:solidFill>
+                <a:srgbClr val="7030A0"/>
+              </a:solidFill>
+            </a:endParaRPr>
+          </a:p>
+        </p:txBody>
+      </p:sp>
     </p:spTree>
     <p:extLst>
       <p:ext uri="{BB962C8B-B14F-4D97-AF65-F5344CB8AC3E}">
